--- a/dokumentation/qrcode-reader-presentation-holzer.pptx
+++ b/dokumentation/qrcode-reader-presentation-holzer.pptx
@@ -13,8 +13,8 @@
   <p:sldIdLst>
     <p:sldId id="259" r:id="rId5"/>
     <p:sldId id="278" r:id="rId6"/>
-    <p:sldId id="276" r:id="rId7"/>
-    <p:sldId id="279" r:id="rId8"/>
+    <p:sldId id="279" r:id="rId7"/>
+    <p:sldId id="276" r:id="rId8"/>
     <p:sldId id="273" r:id="rId9"/>
     <p:sldId id="274" r:id="rId10"/>
   </p:sldIdLst>
@@ -230,7 +230,7 @@
           <a:p>
             <a:fld id="{EFA0D184-D464-48E9-9CA0-A94E873F6C2C}" type="datetimeFigureOut">
               <a:rPr lang="de-CH" smtClean="0"/>
-              <a:t>18.01.2016</a:t>
+              <a:t>20.01.2016</a:t>
             </a:fld>
             <a:endParaRPr lang="de-CH"/>
           </a:p>
@@ -395,7 +395,7 @@
           <a:p>
             <a:fld id="{5AF2B663-2BA9-4D7E-8201-5DE4109E1EDD}" type="datetimeFigureOut">
               <a:rPr lang="de-CH" smtClean="0"/>
-              <a:t>18.01.2016</a:t>
+              <a:t>20.01.2016</a:t>
             </a:fld>
             <a:endParaRPr lang="de-CH"/>
           </a:p>
@@ -6789,12 +6789,349 @@
           <a:p>
             <a:r>
               <a:rPr lang="de-CH" dirty="0" smtClean="0"/>
-              <a:t>Ausgangslage &amp; Idee</a:t>
+              <a:t>Ausgangslage &amp; </a:t>
+            </a:r>
+            <a:r>
+              <a:rPr lang="de-CH" dirty="0" smtClean="0"/>
+              <a:t>Idee</a:t>
             </a:r>
             <a:endParaRPr lang="de-CH" dirty="0"/>
           </a:p>
         </p:txBody>
       </p:sp>
+      <p:sp>
+        <p:nvSpPr>
+          <p:cNvPr id="4" name="Inhaltsplatzhalter 1"/>
+          <p:cNvSpPr txBox="1">
+            <a:spLocks/>
+          </p:cNvSpPr>
+          <p:nvPr/>
+        </p:nvSpPr>
+        <p:spPr>
+          <a:xfrm>
+            <a:off x="468000" y="1439999"/>
+            <a:ext cx="8100000" cy="4680000"/>
+          </a:xfrm>
+          <a:prstGeom prst="rect">
+            <a:avLst/>
+          </a:prstGeom>
+        </p:spPr>
+        <p:txBody>
+          <a:bodyPr lIns="0" rIns="0"/>
+          <a:lstStyle>
+            <a:lvl1pPr marL="271463" indent="-271463" algn="l" defTabSz="457200" rtl="0" eaLnBrk="1" fontAlgn="base" hangingPunct="1">
+              <a:spcBef>
+                <a:spcPct val="20000"/>
+              </a:spcBef>
+              <a:spcAft>
+                <a:spcPct val="0"/>
+              </a:spcAft>
+              <a:buClr>
+                <a:srgbClr val="FAA500"/>
+              </a:buClr>
+              <a:buSzPct val="80000"/>
+              <a:buFont typeface="Lucida Grande"/>
+              <a:buChar char="▶"/>
+              <a:defRPr sz="1800" kern="1200">
+                <a:solidFill>
+                  <a:schemeClr val="tx1"/>
+                </a:solidFill>
+                <a:latin typeface="Lucida Sans"/>
+                <a:ea typeface="MS PGothic" pitchFamily="34" charset="-128"/>
+                <a:cs typeface="Lucida Sans"/>
+              </a:defRPr>
+            </a:lvl1pPr>
+            <a:lvl2pPr marL="742950" indent="-285750" algn="l" defTabSz="457200" rtl="0" eaLnBrk="1" fontAlgn="base" hangingPunct="1">
+              <a:spcBef>
+                <a:spcPct val="20000"/>
+              </a:spcBef>
+              <a:spcAft>
+                <a:spcPct val="0"/>
+              </a:spcAft>
+              <a:buClr>
+                <a:srgbClr val="FAA500"/>
+              </a:buClr>
+              <a:buSzPct val="80000"/>
+              <a:buFont typeface="Lucida Grande"/>
+              <a:buChar char="▶"/>
+              <a:defRPr sz="1800" kern="1200">
+                <a:solidFill>
+                  <a:schemeClr val="tx1"/>
+                </a:solidFill>
+                <a:latin typeface="Lucida Sans"/>
+                <a:ea typeface="MS PGothic" pitchFamily="34" charset="-128"/>
+                <a:cs typeface="Lucida Sans"/>
+              </a:defRPr>
+            </a:lvl2pPr>
+            <a:lvl3pPr marL="1143000" indent="-228600" algn="l" defTabSz="457200" rtl="0" eaLnBrk="1" fontAlgn="base" hangingPunct="1">
+              <a:spcBef>
+                <a:spcPct val="20000"/>
+              </a:spcBef>
+              <a:spcAft>
+                <a:spcPct val="0"/>
+              </a:spcAft>
+              <a:buClr>
+                <a:srgbClr val="FAA500"/>
+              </a:buClr>
+              <a:buSzPct val="80000"/>
+              <a:buFont typeface="Lucida Grande"/>
+              <a:buChar char="▶"/>
+              <a:defRPr sz="1800" kern="1200">
+                <a:solidFill>
+                  <a:schemeClr val="tx1"/>
+                </a:solidFill>
+                <a:latin typeface="Lucida Sans"/>
+                <a:ea typeface="MS PGothic" pitchFamily="34" charset="-128"/>
+                <a:cs typeface="Lucida Sans"/>
+              </a:defRPr>
+            </a:lvl3pPr>
+            <a:lvl4pPr marL="1600200" indent="-228600" algn="l" defTabSz="457200" rtl="0" eaLnBrk="1" fontAlgn="base" hangingPunct="1">
+              <a:spcBef>
+                <a:spcPct val="20000"/>
+              </a:spcBef>
+              <a:spcAft>
+                <a:spcPct val="0"/>
+              </a:spcAft>
+              <a:buClr>
+                <a:srgbClr val="FAA500"/>
+              </a:buClr>
+              <a:buSzPct val="80000"/>
+              <a:buFont typeface="Lucida Grande"/>
+              <a:buChar char="▶"/>
+              <a:defRPr sz="1800" kern="1200">
+                <a:solidFill>
+                  <a:schemeClr val="tx1"/>
+                </a:solidFill>
+                <a:latin typeface="Lucida Sans"/>
+                <a:ea typeface="MS PGothic" pitchFamily="34" charset="-128"/>
+                <a:cs typeface="Lucida Sans"/>
+              </a:defRPr>
+            </a:lvl4pPr>
+            <a:lvl5pPr marL="2057400" indent="-228600" algn="l" defTabSz="457200" rtl="0" eaLnBrk="1" fontAlgn="base" hangingPunct="1">
+              <a:spcBef>
+                <a:spcPct val="20000"/>
+              </a:spcBef>
+              <a:spcAft>
+                <a:spcPct val="0"/>
+              </a:spcAft>
+              <a:buClr>
+                <a:srgbClr val="FAA500"/>
+              </a:buClr>
+              <a:buSzPct val="80000"/>
+              <a:buFont typeface="Lucida Grande"/>
+              <a:buChar char="▶"/>
+              <a:defRPr sz="1800" kern="1200">
+                <a:solidFill>
+                  <a:schemeClr val="tx1"/>
+                </a:solidFill>
+                <a:latin typeface="Lucida Sans"/>
+                <a:ea typeface="MS PGothic" pitchFamily="34" charset="-128"/>
+                <a:cs typeface="Lucida Sans"/>
+              </a:defRPr>
+            </a:lvl5pPr>
+            <a:lvl6pPr marL="2514600" indent="-228600" algn="l" defTabSz="457200" rtl="0" eaLnBrk="1" latinLnBrk="0" hangingPunct="1">
+              <a:spcBef>
+                <a:spcPct val="20000"/>
+              </a:spcBef>
+              <a:buFont typeface="Arial"/>
+              <a:buChar char="•"/>
+              <a:defRPr sz="1800" kern="1200">
+                <a:solidFill>
+                  <a:schemeClr val="tx1"/>
+                </a:solidFill>
+                <a:latin typeface="+mn-lt"/>
+                <a:ea typeface="+mn-ea"/>
+                <a:cs typeface="+mn-cs"/>
+              </a:defRPr>
+            </a:lvl6pPr>
+            <a:lvl7pPr marL="2971800" indent="-228600" algn="l" defTabSz="457200" rtl="0" eaLnBrk="1" latinLnBrk="0" hangingPunct="1">
+              <a:spcBef>
+                <a:spcPct val="20000"/>
+              </a:spcBef>
+              <a:buFont typeface="Arial"/>
+              <a:buChar char="•"/>
+              <a:defRPr sz="1800" kern="1200">
+                <a:solidFill>
+                  <a:schemeClr val="tx1"/>
+                </a:solidFill>
+                <a:latin typeface="+mn-lt"/>
+                <a:ea typeface="+mn-ea"/>
+                <a:cs typeface="+mn-cs"/>
+              </a:defRPr>
+            </a:lvl7pPr>
+            <a:lvl8pPr marL="3429000" indent="-228600" algn="l" defTabSz="457200" rtl="0" eaLnBrk="1" latinLnBrk="0" hangingPunct="1">
+              <a:spcBef>
+                <a:spcPct val="20000"/>
+              </a:spcBef>
+              <a:buFont typeface="Arial"/>
+              <a:buChar char="•"/>
+              <a:defRPr sz="1800" kern="1200">
+                <a:solidFill>
+                  <a:schemeClr val="tx1"/>
+                </a:solidFill>
+                <a:latin typeface="+mn-lt"/>
+                <a:ea typeface="+mn-ea"/>
+                <a:cs typeface="+mn-cs"/>
+              </a:defRPr>
+            </a:lvl8pPr>
+            <a:lvl9pPr marL="3886200" indent="-228600" algn="l" defTabSz="457200" rtl="0" eaLnBrk="1" latinLnBrk="0" hangingPunct="1">
+              <a:spcBef>
+                <a:spcPct val="20000"/>
+              </a:spcBef>
+              <a:buFont typeface="Arial"/>
+              <a:buChar char="•"/>
+              <a:defRPr sz="1800" kern="1200">
+                <a:solidFill>
+                  <a:schemeClr val="tx1"/>
+                </a:solidFill>
+                <a:latin typeface="+mn-lt"/>
+                <a:ea typeface="+mn-ea"/>
+                <a:cs typeface="+mn-cs"/>
+              </a:defRPr>
+            </a:lvl9pPr>
+          </a:lstStyle>
+          <a:p>
+            <a:r>
+              <a:rPr lang="de-CH" b="1" dirty="0" smtClean="0"/>
+              <a:t>QR-Codes:</a:t>
+            </a:r>
+          </a:p>
+          <a:p>
+            <a:pPr lvl="1"/>
+            <a:r>
+              <a:rPr lang="de-CH" dirty="0" smtClean="0"/>
+              <a:t>Verbreitetes Medium für schnellen Zugriff auf </a:t>
+            </a:r>
+            <a:br>
+              <a:rPr lang="de-CH" dirty="0" smtClean="0"/>
+            </a:br>
+            <a:r>
+              <a:rPr lang="de-CH" dirty="0" smtClean="0"/>
+              <a:t>Daten, z.B. URLs von Webseiten, Texten, etc.</a:t>
+            </a:r>
+          </a:p>
+          <a:p>
+            <a:pPr lvl="1"/>
+            <a:r>
+              <a:rPr lang="de-CH" dirty="0" smtClean="0"/>
+              <a:t>Lesbar mit Smartphones oder speziellen Geräten</a:t>
+            </a:r>
+          </a:p>
+          <a:p>
+            <a:pPr lvl="1"/>
+            <a:endParaRPr lang="de-CH" dirty="0" smtClean="0"/>
+          </a:p>
+          <a:p>
+            <a:pPr lvl="1"/>
+            <a:endParaRPr lang="de-CH" dirty="0"/>
+          </a:p>
+          <a:p>
+            <a:r>
+              <a:rPr lang="de-CH" dirty="0" smtClean="0"/>
+              <a:t>QR-Codes bereits in mehreren Projekten eingesetzt</a:t>
+            </a:r>
+          </a:p>
+          <a:p>
+            <a:pPr marL="0" indent="0">
+              <a:buNone/>
+            </a:pPr>
+            <a:r>
+              <a:rPr lang="de-CH" dirty="0"/>
+              <a:t>  </a:t>
+            </a:r>
+            <a:r>
+              <a:rPr lang="de-CH" dirty="0" smtClean="0"/>
+              <a:t>  =&gt; Library (</a:t>
+            </a:r>
+            <a:r>
+              <a:rPr lang="de-CH" dirty="0" err="1" smtClean="0"/>
+              <a:t>ZXing</a:t>
+            </a:r>
+            <a:r>
+              <a:rPr lang="de-CH" dirty="0" smtClean="0"/>
+              <a:t>) zum Lesen verwendet</a:t>
+            </a:r>
+          </a:p>
+          <a:p>
+            <a:pPr marL="0" indent="0">
+              <a:buNone/>
+            </a:pPr>
+            <a:endParaRPr lang="de-CH" dirty="0"/>
+          </a:p>
+          <a:p>
+            <a:r>
+              <a:rPr lang="de-CH" b="1" dirty="0" smtClean="0"/>
+              <a:t>Idee &amp; Ziele:</a:t>
+            </a:r>
+          </a:p>
+          <a:p>
+            <a:pPr lvl="1"/>
+            <a:r>
+              <a:rPr lang="de-CH" dirty="0" smtClean="0"/>
+              <a:t>QR-Code-Reader mit </a:t>
+            </a:r>
+            <a:r>
+              <a:rPr lang="de-CH" dirty="0" err="1" smtClean="0"/>
+              <a:t>Matlab</a:t>
+            </a:r>
+            <a:r>
+              <a:rPr lang="de-CH" dirty="0"/>
+              <a:t> </a:t>
+            </a:r>
+            <a:r>
+              <a:rPr lang="de-CH" dirty="0" smtClean="0"/>
+              <a:t>entwickeln (ohne Verwendung von Libraries)</a:t>
+            </a:r>
+          </a:p>
+          <a:p>
+            <a:pPr lvl="1"/>
+            <a:r>
+              <a:rPr lang="de-CH" dirty="0" smtClean="0"/>
+              <a:t>Wissen über den Aufbau von QR-Codes erlangen</a:t>
+            </a:r>
+            <a:endParaRPr lang="de-CH" dirty="0" smtClean="0"/>
+          </a:p>
+        </p:txBody>
+      </p:sp>
+      <p:pic>
+        <p:nvPicPr>
+          <p:cNvPr id="2050" name="Picture 2" descr="http://cdnqrcgde.s3-eu-west-1.amazonaws.com/wp-content/uploads/2013/11/jpeg.jpg"/>
+          <p:cNvPicPr>
+            <a:picLocks noChangeAspect="1" noChangeArrowheads="1"/>
+          </p:cNvPicPr>
+          <p:nvPr/>
+        </p:nvPicPr>
+        <p:blipFill rotWithShape="1">
+          <a:blip r:embed="rId2">
+            <a:extLst>
+              <a:ext uri="{28A0092B-C50C-407E-A947-70E740481C1C}">
+                <a14:useLocalDpi xmlns:a14="http://schemas.microsoft.com/office/drawing/2010/main" val="0"/>
+              </a:ext>
+            </a:extLst>
+          </a:blip>
+          <a:srcRect l="10397" t="13313" r="9225" b="9923"/>
+          <a:stretch/>
+        </p:blipFill>
+        <p:spPr bwMode="auto">
+          <a:xfrm>
+            <a:off x="6720114" y="1425485"/>
+            <a:ext cx="1683657" cy="1608001"/>
+          </a:xfrm>
+          <a:prstGeom prst="rect">
+            <a:avLst/>
+          </a:prstGeom>
+          <a:noFill/>
+          <a:extLst>
+            <a:ext uri="{909E8E84-426E-40DD-AFC4-6F175D3DCCD1}">
+              <a14:hiddenFill xmlns:a14="http://schemas.microsoft.com/office/drawing/2010/main">
+                <a:solidFill>
+                  <a:srgbClr val="FFFFFF"/>
+                </a:solidFill>
+              </a14:hiddenFill>
+            </a:ext>
+          </a:extLst>
+        </p:spPr>
+      </p:pic>
     </p:spTree>
     <p:extLst>
       <p:ext uri="{BB962C8B-B14F-4D97-AF65-F5344CB8AC3E}">
@@ -6834,6 +7171,36 @@
       </p:grpSpPr>
       <p:sp>
         <p:nvSpPr>
+          <p:cNvPr id="2" name="Inhaltsplatzhalter 1"/>
+          <p:cNvSpPr>
+            <a:spLocks noGrp="1"/>
+          </p:cNvSpPr>
+          <p:nvPr>
+            <p:ph sz="half" idx="1"/>
+          </p:nvPr>
+        </p:nvSpPr>
+        <p:spPr/>
+        <p:txBody>
+          <a:bodyPr/>
+          <a:lstStyle/>
+          <a:p>
+            <a:pPr marL="914400" lvl="2" indent="0">
+              <a:buNone/>
+            </a:pPr>
+            <a:endParaRPr lang="de-CH" dirty="0" smtClean="0"/>
+          </a:p>
+          <a:p>
+            <a:pPr lvl="2"/>
+            <a:endParaRPr lang="de-CH" dirty="0" smtClean="0"/>
+          </a:p>
+          <a:p>
+            <a:pPr lvl="2"/>
+            <a:endParaRPr lang="de-CH" dirty="0"/>
+          </a:p>
+        </p:txBody>
+      </p:sp>
+      <p:sp>
+        <p:nvSpPr>
           <p:cNvPr id="3" name="Titel 2"/>
           <p:cNvSpPr>
             <a:spLocks noGrp="1"/>
@@ -6849,7 +7216,15 @@
           <a:p>
             <a:r>
               <a:rPr lang="de-CH" dirty="0" smtClean="0"/>
-              <a:t>Demo</a:t>
+              <a:t>Funktionalität </a:t>
+            </a:r>
+            <a:r>
+              <a:rPr lang="de-CH" dirty="0" err="1" smtClean="0"/>
+              <a:t>Matlab</a:t>
+            </a:r>
+            <a:r>
+              <a:rPr lang="de-CH" dirty="0" smtClean="0"/>
+              <a:t> QR-Code-Reader</a:t>
             </a:r>
             <a:endParaRPr lang="de-CH" dirty="0"/>
           </a:p>
@@ -6857,27 +7232,256 @@
       </p:sp>
       <p:sp>
         <p:nvSpPr>
-          <p:cNvPr id="2" name="Inhaltsplatzhalter 1"/>
-          <p:cNvSpPr>
-            <a:spLocks noGrp="1"/>
+          <p:cNvPr id="4" name="Inhaltsplatzhalter 1"/>
+          <p:cNvSpPr txBox="1">
+            <a:spLocks/>
           </p:cNvSpPr>
-          <p:nvPr>
-            <p:ph sz="half" idx="1"/>
-          </p:nvPr>
+          <p:nvPr/>
         </p:nvSpPr>
-        <p:spPr/>
+        <p:spPr>
+          <a:xfrm>
+            <a:off x="468000" y="1439999"/>
+            <a:ext cx="8100000" cy="4680000"/>
+          </a:xfrm>
+          <a:prstGeom prst="rect">
+            <a:avLst/>
+          </a:prstGeom>
+        </p:spPr>
         <p:txBody>
-          <a:bodyPr/>
-          <a:lstStyle/>
-          <a:p>
-            <a:endParaRPr lang="de-CH"/>
+          <a:bodyPr lIns="0" rIns="0"/>
+          <a:lstStyle>
+            <a:lvl1pPr marL="271463" indent="-271463" algn="l" defTabSz="457200" rtl="0" eaLnBrk="1" fontAlgn="base" hangingPunct="1">
+              <a:spcBef>
+                <a:spcPct val="20000"/>
+              </a:spcBef>
+              <a:spcAft>
+                <a:spcPct val="0"/>
+              </a:spcAft>
+              <a:buClr>
+                <a:srgbClr val="FAA500"/>
+              </a:buClr>
+              <a:buSzPct val="80000"/>
+              <a:buFont typeface="Lucida Grande"/>
+              <a:buChar char="▶"/>
+              <a:defRPr sz="1800" kern="1200">
+                <a:solidFill>
+                  <a:schemeClr val="tx1"/>
+                </a:solidFill>
+                <a:latin typeface="Lucida Sans"/>
+                <a:ea typeface="MS PGothic" pitchFamily="34" charset="-128"/>
+                <a:cs typeface="Lucida Sans"/>
+              </a:defRPr>
+            </a:lvl1pPr>
+            <a:lvl2pPr marL="742950" indent="-285750" algn="l" defTabSz="457200" rtl="0" eaLnBrk="1" fontAlgn="base" hangingPunct="1">
+              <a:spcBef>
+                <a:spcPct val="20000"/>
+              </a:spcBef>
+              <a:spcAft>
+                <a:spcPct val="0"/>
+              </a:spcAft>
+              <a:buClr>
+                <a:srgbClr val="FAA500"/>
+              </a:buClr>
+              <a:buSzPct val="80000"/>
+              <a:buFont typeface="Lucida Grande"/>
+              <a:buChar char="▶"/>
+              <a:defRPr sz="1800" kern="1200">
+                <a:solidFill>
+                  <a:schemeClr val="tx1"/>
+                </a:solidFill>
+                <a:latin typeface="Lucida Sans"/>
+                <a:ea typeface="MS PGothic" pitchFamily="34" charset="-128"/>
+                <a:cs typeface="Lucida Sans"/>
+              </a:defRPr>
+            </a:lvl2pPr>
+            <a:lvl3pPr marL="1143000" indent="-228600" algn="l" defTabSz="457200" rtl="0" eaLnBrk="1" fontAlgn="base" hangingPunct="1">
+              <a:spcBef>
+                <a:spcPct val="20000"/>
+              </a:spcBef>
+              <a:spcAft>
+                <a:spcPct val="0"/>
+              </a:spcAft>
+              <a:buClr>
+                <a:srgbClr val="FAA500"/>
+              </a:buClr>
+              <a:buSzPct val="80000"/>
+              <a:buFont typeface="Lucida Grande"/>
+              <a:buChar char="▶"/>
+              <a:defRPr sz="1800" kern="1200">
+                <a:solidFill>
+                  <a:schemeClr val="tx1"/>
+                </a:solidFill>
+                <a:latin typeface="Lucida Sans"/>
+                <a:ea typeface="MS PGothic" pitchFamily="34" charset="-128"/>
+                <a:cs typeface="Lucida Sans"/>
+              </a:defRPr>
+            </a:lvl3pPr>
+            <a:lvl4pPr marL="1600200" indent="-228600" algn="l" defTabSz="457200" rtl="0" eaLnBrk="1" fontAlgn="base" hangingPunct="1">
+              <a:spcBef>
+                <a:spcPct val="20000"/>
+              </a:spcBef>
+              <a:spcAft>
+                <a:spcPct val="0"/>
+              </a:spcAft>
+              <a:buClr>
+                <a:srgbClr val="FAA500"/>
+              </a:buClr>
+              <a:buSzPct val="80000"/>
+              <a:buFont typeface="Lucida Grande"/>
+              <a:buChar char="▶"/>
+              <a:defRPr sz="1800" kern="1200">
+                <a:solidFill>
+                  <a:schemeClr val="tx1"/>
+                </a:solidFill>
+                <a:latin typeface="Lucida Sans"/>
+                <a:ea typeface="MS PGothic" pitchFamily="34" charset="-128"/>
+                <a:cs typeface="Lucida Sans"/>
+              </a:defRPr>
+            </a:lvl4pPr>
+            <a:lvl5pPr marL="2057400" indent="-228600" algn="l" defTabSz="457200" rtl="0" eaLnBrk="1" fontAlgn="base" hangingPunct="1">
+              <a:spcBef>
+                <a:spcPct val="20000"/>
+              </a:spcBef>
+              <a:spcAft>
+                <a:spcPct val="0"/>
+              </a:spcAft>
+              <a:buClr>
+                <a:srgbClr val="FAA500"/>
+              </a:buClr>
+              <a:buSzPct val="80000"/>
+              <a:buFont typeface="Lucida Grande"/>
+              <a:buChar char="▶"/>
+              <a:defRPr sz="1800" kern="1200">
+                <a:solidFill>
+                  <a:schemeClr val="tx1"/>
+                </a:solidFill>
+                <a:latin typeface="Lucida Sans"/>
+                <a:ea typeface="MS PGothic" pitchFamily="34" charset="-128"/>
+                <a:cs typeface="Lucida Sans"/>
+              </a:defRPr>
+            </a:lvl5pPr>
+            <a:lvl6pPr marL="2514600" indent="-228600" algn="l" defTabSz="457200" rtl="0" eaLnBrk="1" latinLnBrk="0" hangingPunct="1">
+              <a:spcBef>
+                <a:spcPct val="20000"/>
+              </a:spcBef>
+              <a:buFont typeface="Arial"/>
+              <a:buChar char="•"/>
+              <a:defRPr sz="1800" kern="1200">
+                <a:solidFill>
+                  <a:schemeClr val="tx1"/>
+                </a:solidFill>
+                <a:latin typeface="+mn-lt"/>
+                <a:ea typeface="+mn-ea"/>
+                <a:cs typeface="+mn-cs"/>
+              </a:defRPr>
+            </a:lvl6pPr>
+            <a:lvl7pPr marL="2971800" indent="-228600" algn="l" defTabSz="457200" rtl="0" eaLnBrk="1" latinLnBrk="0" hangingPunct="1">
+              <a:spcBef>
+                <a:spcPct val="20000"/>
+              </a:spcBef>
+              <a:buFont typeface="Arial"/>
+              <a:buChar char="•"/>
+              <a:defRPr sz="1800" kern="1200">
+                <a:solidFill>
+                  <a:schemeClr val="tx1"/>
+                </a:solidFill>
+                <a:latin typeface="+mn-lt"/>
+                <a:ea typeface="+mn-ea"/>
+                <a:cs typeface="+mn-cs"/>
+              </a:defRPr>
+            </a:lvl7pPr>
+            <a:lvl8pPr marL="3429000" indent="-228600" algn="l" defTabSz="457200" rtl="0" eaLnBrk="1" latinLnBrk="0" hangingPunct="1">
+              <a:spcBef>
+                <a:spcPct val="20000"/>
+              </a:spcBef>
+              <a:buFont typeface="Arial"/>
+              <a:buChar char="•"/>
+              <a:defRPr sz="1800" kern="1200">
+                <a:solidFill>
+                  <a:schemeClr val="tx1"/>
+                </a:solidFill>
+                <a:latin typeface="+mn-lt"/>
+                <a:ea typeface="+mn-ea"/>
+                <a:cs typeface="+mn-cs"/>
+              </a:defRPr>
+            </a:lvl8pPr>
+            <a:lvl9pPr marL="3886200" indent="-228600" algn="l" defTabSz="457200" rtl="0" eaLnBrk="1" latinLnBrk="0" hangingPunct="1">
+              <a:spcBef>
+                <a:spcPct val="20000"/>
+              </a:spcBef>
+              <a:buFont typeface="Arial"/>
+              <a:buChar char="•"/>
+              <a:defRPr sz="1800" kern="1200">
+                <a:solidFill>
+                  <a:schemeClr val="tx1"/>
+                </a:solidFill>
+                <a:latin typeface="+mn-lt"/>
+                <a:ea typeface="+mn-ea"/>
+                <a:cs typeface="+mn-cs"/>
+              </a:defRPr>
+            </a:lvl9pPr>
+          </a:lstStyle>
+          <a:p>
+            <a:r>
+              <a:rPr lang="de-CH" dirty="0" smtClean="0"/>
+              <a:t>Bilddatei mit 2D-QR-Code angeben (PNG)</a:t>
+            </a:r>
+          </a:p>
+          <a:p>
+            <a:pPr lvl="1"/>
+            <a:r>
+              <a:rPr lang="de-CH" dirty="0" smtClean="0"/>
+              <a:t>Einschränkung: Nur von Online-Generatoren erstellte Bilder</a:t>
+            </a:r>
+          </a:p>
+          <a:p>
+            <a:pPr lvl="1"/>
+            <a:endParaRPr lang="de-CH" dirty="0"/>
+          </a:p>
+          <a:p>
+            <a:r>
+              <a:rPr lang="de-CH" dirty="0" smtClean="0"/>
+              <a:t>Erkennung der QR-Codes im Bild</a:t>
+            </a:r>
+          </a:p>
+          <a:p>
+            <a:endParaRPr lang="de-CH" dirty="0"/>
+          </a:p>
+          <a:p>
+            <a:r>
+              <a:rPr lang="de-CH" dirty="0" smtClean="0"/>
+              <a:t>Extraktion des QR-Code-Inhalts nach ISO-8859-1</a:t>
+            </a:r>
+          </a:p>
+          <a:p>
+            <a:endParaRPr lang="de-CH" dirty="0"/>
+          </a:p>
+          <a:p>
+            <a:r>
+              <a:rPr lang="de-CH" dirty="0" smtClean="0"/>
+              <a:t>Unterstützung von Version 1 - Version 5 QR-Codes</a:t>
+            </a:r>
+          </a:p>
+          <a:p>
+            <a:pPr lvl="1"/>
+            <a:r>
+              <a:rPr lang="de-CH" dirty="0" smtClean="0"/>
+              <a:t>Version 1: 21 x 21 Module, max. 17 Zeichen</a:t>
+            </a:r>
+          </a:p>
+          <a:p>
+            <a:pPr lvl="1"/>
+            <a:r>
+              <a:rPr lang="de-CH" dirty="0" smtClean="0"/>
+              <a:t>Version 5: 37 x 37 Module, max. 106 Zeichen</a:t>
+            </a:r>
           </a:p>
         </p:txBody>
       </p:sp>
     </p:spTree>
     <p:extLst>
       <p:ext uri="{BB962C8B-B14F-4D97-AF65-F5344CB8AC3E}">
-        <p14:creationId xmlns:p14="http://schemas.microsoft.com/office/powerpoint/2010/main" val="3223308635"/>
+        <p14:creationId xmlns:p14="http://schemas.microsoft.com/office/powerpoint/2010/main" val="1035287585"/>
       </p:ext>
     </p:extLst>
   </p:cSld>
@@ -6928,35 +7532,70 @@
           <a:p>
             <a:r>
               <a:rPr lang="de-CH" dirty="0" smtClean="0"/>
-              <a:t>Funktionsweise der erstellten Anwendung</a:t>
+              <a:t>Demo der erstellten Anwendung</a:t>
             </a:r>
             <a:endParaRPr lang="de-CH" dirty="0"/>
           </a:p>
         </p:txBody>
       </p:sp>
-      <p:sp>
-        <p:nvSpPr>
-          <p:cNvPr id="2" name="Inhaltsplatzhalter 1"/>
-          <p:cNvSpPr>
-            <a:spLocks noGrp="1"/>
-          </p:cNvSpPr>
-          <p:nvPr>
-            <p:ph sz="half" idx="1"/>
-          </p:nvPr>
-        </p:nvSpPr>
-        <p:spPr/>
-        <p:txBody>
-          <a:bodyPr/>
-          <a:lstStyle/>
-          <a:p>
-            <a:endParaRPr lang="de-CH"/>
-          </a:p>
-        </p:txBody>
-      </p:sp>
+      <p:pic>
+        <p:nvPicPr>
+          <p:cNvPr id="1027" name="Picture 3"/>
+          <p:cNvPicPr>
+            <a:picLocks noChangeAspect="1" noChangeArrowheads="1"/>
+          </p:cNvPicPr>
+          <p:nvPr/>
+        </p:nvPicPr>
+        <p:blipFill>
+          <a:blip r:embed="rId2">
+            <a:extLst>
+              <a:ext uri="{28A0092B-C50C-407E-A947-70E740481C1C}">
+                <a14:useLocalDpi xmlns:a14="http://schemas.microsoft.com/office/drawing/2010/main" val="0"/>
+              </a:ext>
+            </a:extLst>
+          </a:blip>
+          <a:srcRect/>
+          <a:stretch>
+            <a:fillRect/>
+          </a:stretch>
+        </p:blipFill>
+        <p:spPr bwMode="auto">
+          <a:xfrm>
+            <a:off x="856342" y="1346517"/>
+            <a:ext cx="7431315" cy="4403743"/>
+          </a:xfrm>
+          <a:prstGeom prst="rect">
+            <a:avLst/>
+          </a:prstGeom>
+          <a:noFill/>
+          <a:ln>
+            <a:noFill/>
+          </a:ln>
+          <a:extLst>
+            <a:ext uri="{909E8E84-426E-40DD-AFC4-6F175D3DCCD1}">
+              <a14:hiddenFill xmlns:a14="http://schemas.microsoft.com/office/drawing/2010/main">
+                <a:solidFill>
+                  <a:schemeClr val="accent1"/>
+                </a:solidFill>
+              </a14:hiddenFill>
+            </a:ext>
+            <a:ext uri="{91240B29-F687-4F45-9708-019B960494DF}">
+              <a14:hiddenLine xmlns:a14="http://schemas.microsoft.com/office/drawing/2010/main" w="9525">
+                <a:solidFill>
+                  <a:schemeClr val="tx1"/>
+                </a:solidFill>
+                <a:miter lim="800000"/>
+                <a:headEnd/>
+                <a:tailEnd/>
+              </a14:hiddenLine>
+            </a:ext>
+          </a:extLst>
+        </p:spPr>
+      </p:pic>
     </p:spTree>
     <p:extLst>
       <p:ext uri="{BB962C8B-B14F-4D97-AF65-F5344CB8AC3E}">
-        <p14:creationId xmlns:p14="http://schemas.microsoft.com/office/powerpoint/2010/main" val="2102694223"/>
+        <p14:creationId xmlns:p14="http://schemas.microsoft.com/office/powerpoint/2010/main" val="3223308635"/>
       </p:ext>
     </p:extLst>
   </p:cSld>
@@ -7007,65 +7646,69 @@
           <a:p>
             <a:r>
               <a:rPr lang="de-CH" dirty="0" smtClean="0"/>
-              <a:t>Sehr zufrieden mit dem </a:t>
-            </a:r>
+              <a:t>Sehr zufrieden mit dem Ergebnis</a:t>
+            </a:r>
+          </a:p>
+          <a:p>
+            <a:endParaRPr lang="de-CH" dirty="0" smtClean="0"/>
+          </a:p>
+          <a:p>
             <a:r>
               <a:rPr lang="de-CH" dirty="0" smtClean="0"/>
-              <a:t>Ergebnis</a:t>
-            </a:r>
-          </a:p>
-          <a:p>
-            <a:endParaRPr lang="de-CH" dirty="0" smtClean="0"/>
-          </a:p>
-          <a:p>
+              <a:t>Folgendes Wissen angeeignet:</a:t>
+            </a:r>
+          </a:p>
+          <a:p>
+            <a:pPr lvl="1"/>
             <a:r>
               <a:rPr lang="de-CH" dirty="0" smtClean="0"/>
-              <a:t>Versteht nun, wie ein QR-Code aufgebaut ist und welche Information wo im QR-Code abgelegt sind.</a:t>
-            </a:r>
-          </a:p>
-          <a:p>
-            <a:endParaRPr lang="de-CH" dirty="0" smtClean="0"/>
-          </a:p>
-          <a:p>
+              <a:t>Aufbau von QR-Codes</a:t>
+            </a:r>
+          </a:p>
+          <a:p>
+            <a:pPr lvl="1"/>
             <a:r>
               <a:rPr lang="de-CH" dirty="0" smtClean="0"/>
-              <a:t>Neue Kenntnisse </a:t>
-            </a:r>
-            <a:r>
-              <a:rPr lang="de-CH" dirty="0" smtClean="0"/>
-              <a:t>bezüglich </a:t>
+              <a:t>GUI-Erstellung mit </a:t>
             </a:r>
             <a:r>
               <a:rPr lang="de-CH" dirty="0" err="1" smtClean="0"/>
               <a:t>Matlab</a:t>
             </a:r>
-            <a:r>
-              <a:rPr lang="de-CH" dirty="0" smtClean="0"/>
-              <a:t> und bezüglich Bildanalyse erworben:</a:t>
-            </a:r>
             <a:endParaRPr lang="de-CH" dirty="0" smtClean="0"/>
           </a:p>
           <a:p>
             <a:pPr lvl="1"/>
-            <a:r>
-              <a:rPr lang="de-CH" dirty="0" smtClean="0"/>
-              <a:t>GUI-Erstellung mit </a:t>
-            </a:r>
             <a:r>
               <a:rPr lang="de-CH" dirty="0" err="1" smtClean="0"/>
               <a:t>Matlab</a:t>
             </a:r>
-            <a:endParaRPr lang="de-CH" dirty="0" smtClean="0"/>
-          </a:p>
-          <a:p>
-            <a:pPr lvl="1"/>
             <a:r>
               <a:rPr lang="de-CH" dirty="0" smtClean="0"/>
-              <a:t>Bildanalyse-Funktionen wie rgb2gray, im2bw oder </a:t>
+              <a:t> Bildanalyse-Funktionen wie rgb2gray, </a:t>
             </a:r>
             <a:r>
               <a:rPr lang="de-CH" dirty="0" err="1" smtClean="0"/>
               <a:t>regionprops</a:t>
+            </a:r>
+            <a:r>
+              <a:rPr lang="de-CH" dirty="0" smtClean="0"/>
+              <a:t>, etc. kennengelernt</a:t>
+            </a:r>
+          </a:p>
+          <a:p>
+            <a:pPr lvl="1"/>
+            <a:r>
+              <a:rPr lang="de-CH" dirty="0" smtClean="0"/>
+              <a:t>Allgemeine </a:t>
+            </a:r>
+            <a:r>
+              <a:rPr lang="de-CH" dirty="0" err="1" smtClean="0"/>
+              <a:t>Matlab</a:t>
+            </a:r>
+            <a:r>
+              <a:rPr lang="de-CH" smtClean="0"/>
+              <a:t>-Kenntnisse verbessert</a:t>
             </a:r>
             <a:endParaRPr lang="de-CH" dirty="0" smtClean="0"/>
           </a:p>
@@ -8046,6 +8689,31 @@
 </file>
 
 <file path=customXml/item1.xml><?xml version="1.0" encoding="utf-8"?>
+<p:properties xmlns:p="http://schemas.microsoft.com/office/2006/metadata/properties" xmlns:xsi="http://www.w3.org/2001/XMLSchema-instance" xmlns:pc="http://schemas.microsoft.com/office/infopath/2007/PartnerControls">
+  <documentManagement>
+    <BfhIntranetDepartmentText xmlns="63c724b1-652e-424f-8d99-4ee509067280">
+      <Terms xmlns="http://schemas.microsoft.com/office/infopath/2007/PartnerControls">
+        <TermInfo xmlns="http://schemas.microsoft.com/office/infopath/2007/PartnerControls">
+          <TermName xmlns="http://schemas.microsoft.com/office/infopath/2007/PartnerControls">Vorlage</TermName>
+          <TermId xmlns="http://schemas.microsoft.com/office/infopath/2007/PartnerControls">de1a6d3c-ac6a-4b34-8edd-308eb81066db</TermId>
+        </TermInfo>
+      </Terms>
+    </BfhIntranetDepartmentText>
+    <QMPilot_DokID xmlns="2551ef7e-3b29-44d1-a8ad-ef34c26bfc60">469</QMPilot_DokID>
+  </documentManagement>
+</p:properties>
+</file>
+
+<file path=customXml/item2.xml><?xml version="1.0" encoding="utf-8"?>
+<?mso-contentType ?>
+<FormTemplates xmlns="http://schemas.microsoft.com/sharepoint/v3/contenttype/forms">
+  <Display>DocumentLibraryForm</Display>
+  <Edit>DocumentLibraryForm</Edit>
+  <New>DocumentLibraryForm</New>
+</FormTemplates>
+</file>
+
+<file path=customXml/item3.xml><?xml version="1.0" encoding="utf-8"?>
 <ct:contentTypeSchema xmlns:ct="http://schemas.microsoft.com/office/2006/metadata/contentType" xmlns:ma="http://schemas.microsoft.com/office/2006/metadata/properties/metaAttributes" ct:_="" ma:_="" ma:contentTypeName="QMPilot_ContentType" ma:contentTypeID="0x0101009127C3B567804923A8661E062BBD8EF500AB8983C84EF542A7976DC8547A5CDC52001BD440F45714504284DA526949208683" ma:contentTypeVersion="2" ma:contentTypeDescription="Create a new document." ma:contentTypeScope="" ma:versionID="8ce3fe262384aec44c467c9d705f95d9">
   <xsd:schema xmlns:xsd="http://www.w3.org/2001/XMLSchema" xmlns:xs="http://www.w3.org/2001/XMLSchema" xmlns:p="http://schemas.microsoft.com/office/2006/metadata/properties" xmlns:ns2="63c724b1-652e-424f-8d99-4ee509067280" xmlns:ns3="2551ef7e-3b29-44d1-a8ad-ef34c26bfc60" targetNamespace="http://schemas.microsoft.com/office/2006/metadata/properties" ma:root="true" ma:fieldsID="84a71d02007a831ccb7d7e7d2c202add" ns2:_="" ns3:_="">
     <xsd:import namespace="63c724b1-652e-424f-8d99-4ee509067280"/>
@@ -8184,32 +8852,26 @@
 </ct:contentTypeSchema>
 </file>
 
-<file path=customXml/item2.xml><?xml version="1.0" encoding="utf-8"?>
-<?mso-contentType ?>
-<FormTemplates xmlns="http://schemas.microsoft.com/sharepoint/v3/contenttype/forms">
-  <Display>DocumentLibraryForm</Display>
-  <Edit>DocumentLibraryForm</Edit>
-  <New>DocumentLibraryForm</New>
-</FormTemplates>
+<file path=customXml/itemProps1.xml><?xml version="1.0" encoding="utf-8"?>
+<ds:datastoreItem xmlns:ds="http://schemas.openxmlformats.org/officeDocument/2006/customXml" ds:itemID="{96591048-6F15-48C6-9650-9BFF3E56974F}">
+  <ds:schemaRefs>
+    <ds:schemaRef ds:uri="http://schemas.microsoft.com/office/2006/metadata/properties"/>
+    <ds:schemaRef ds:uri="http://schemas.microsoft.com/office/infopath/2007/PartnerControls"/>
+    <ds:schemaRef ds:uri="63c724b1-652e-424f-8d99-4ee509067280"/>
+    <ds:schemaRef ds:uri="2551ef7e-3b29-44d1-a8ad-ef34c26bfc60"/>
+  </ds:schemaRefs>
+</ds:datastoreItem>
 </file>
 
-<file path=customXml/item3.xml><?xml version="1.0" encoding="utf-8"?>
-<p:properties xmlns:p="http://schemas.microsoft.com/office/2006/metadata/properties" xmlns:xsi="http://www.w3.org/2001/XMLSchema-instance" xmlns:pc="http://schemas.microsoft.com/office/infopath/2007/PartnerControls">
-  <documentManagement>
-    <BfhIntranetDepartmentText xmlns="63c724b1-652e-424f-8d99-4ee509067280">
-      <Terms xmlns="http://schemas.microsoft.com/office/infopath/2007/PartnerControls">
-        <TermInfo xmlns="http://schemas.microsoft.com/office/infopath/2007/PartnerControls">
-          <TermName xmlns="http://schemas.microsoft.com/office/infopath/2007/PartnerControls">Vorlage</TermName>
-          <TermId xmlns="http://schemas.microsoft.com/office/infopath/2007/PartnerControls">de1a6d3c-ac6a-4b34-8edd-308eb81066db</TermId>
-        </TermInfo>
-      </Terms>
-    </BfhIntranetDepartmentText>
-    <QMPilot_DokID xmlns="2551ef7e-3b29-44d1-a8ad-ef34c26bfc60">469</QMPilot_DokID>
-  </documentManagement>
-</p:properties>
+<file path=customXml/itemProps2.xml><?xml version="1.0" encoding="utf-8"?>
+<ds:datastoreItem xmlns:ds="http://schemas.openxmlformats.org/officeDocument/2006/customXml" ds:itemID="{CCF5E5E7-7F77-47A8-99A9-B4D5839292F3}">
+  <ds:schemaRefs>
+    <ds:schemaRef ds:uri="http://schemas.microsoft.com/sharepoint/v3/contenttype/forms"/>
+  </ds:schemaRefs>
+</ds:datastoreItem>
 </file>
 
-<file path=customXml/itemProps1.xml><?xml version="1.0" encoding="utf-8"?>
+<file path=customXml/itemProps3.xml><?xml version="1.0" encoding="utf-8"?>
 <ds:datastoreItem xmlns:ds="http://schemas.openxmlformats.org/officeDocument/2006/customXml" ds:itemID="{8210CDA0-7F89-4675-AC35-50C046AD59CB}">
   <ds:schemaRefs>
     <ds:schemaRef ds:uri="http://schemas.microsoft.com/office/2006/metadata/contentType"/>
@@ -8226,23 +8888,4 @@
     <ds:schemaRef ds:uri="http://schemas.microsoft.com/internal/obd"/>
   </ds:schemaRefs>
 </ds:datastoreItem>
-</file>
-
-<file path=customXml/itemProps2.xml><?xml version="1.0" encoding="utf-8"?>
-<ds:datastoreItem xmlns:ds="http://schemas.openxmlformats.org/officeDocument/2006/customXml" ds:itemID="{CCF5E5E7-7F77-47A8-99A9-B4D5839292F3}">
-  <ds:schemaRefs>
-    <ds:schemaRef ds:uri="http://schemas.microsoft.com/sharepoint/v3/contenttype/forms"/>
-  </ds:schemaRefs>
-</ds:datastoreItem>
-</file>
-
-<file path=customXml/itemProps3.xml><?xml version="1.0" encoding="utf-8"?>
-<ds:datastoreItem xmlns:ds="http://schemas.openxmlformats.org/officeDocument/2006/customXml" ds:itemID="{96591048-6F15-48C6-9650-9BFF3E56974F}">
-  <ds:schemaRefs>
-    <ds:schemaRef ds:uri="http://schemas.microsoft.com/office/2006/metadata/properties"/>
-    <ds:schemaRef ds:uri="http://schemas.microsoft.com/office/infopath/2007/PartnerControls"/>
-    <ds:schemaRef ds:uri="63c724b1-652e-424f-8d99-4ee509067280"/>
-    <ds:schemaRef ds:uri="2551ef7e-3b29-44d1-a8ad-ef34c26bfc60"/>
-  </ds:schemaRefs>
-</ds:datastoreItem>
 </file>